--- a/RPZ/Презентация.pptx
+++ b/RPZ/Презентация.pptx
@@ -7,18 +7,16 @@
   <p:sldIdLst>
     <p:sldId id="256" r:id="rId2"/>
     <p:sldId id="257" r:id="rId3"/>
-    <p:sldId id="264" r:id="rId4"/>
+    <p:sldId id="275" r:id="rId4"/>
     <p:sldId id="271" r:id="rId5"/>
     <p:sldId id="272" r:id="rId6"/>
     <p:sldId id="258" r:id="rId7"/>
     <p:sldId id="259" r:id="rId8"/>
     <p:sldId id="260" r:id="rId9"/>
-    <p:sldId id="266" r:id="rId10"/>
+    <p:sldId id="276" r:id="rId10"/>
     <p:sldId id="267" r:id="rId11"/>
-    <p:sldId id="268" r:id="rId12"/>
-    <p:sldId id="269" r:id="rId13"/>
-    <p:sldId id="273" r:id="rId14"/>
-    <p:sldId id="270" r:id="rId15"/>
+    <p:sldId id="269" r:id="rId12"/>
+    <p:sldId id="273" r:id="rId13"/>
   </p:sldIdLst>
   <p:sldSz cx="12192000" cy="6858000"/>
   <p:notesSz cx="6858000" cy="9144000"/>
@@ -117,6 +115,11 @@
       </a:defRPr>
     </a:lvl9pPr>
   </p:defaultTextStyle>
+  <p:extLst>
+    <p:ext uri="{EFAFB233-063F-42B5-8137-9DF3F51BA10A}">
+      <p15:sldGuideLst xmlns:p15="http://schemas.microsoft.com/office/powerpoint/2012/main"/>
+    </p:ext>
+  </p:extLst>
 </p:presentation>
 </file>
 
@@ -267,7 +270,7 @@
           <a:p>
             <a:fld id="{A5B49AA5-F3EA-48D0-8731-AD53D7F0CADF}" type="datetimeFigureOut">
               <a:rPr lang="ru-RU" smtClean="0"/>
-              <a:t>08.06.2021</a:t>
+              <a:t>11.06.2021</a:t>
             </a:fld>
             <a:endParaRPr lang="ru-RU"/>
           </a:p>
@@ -465,7 +468,7 @@
           <a:p>
             <a:fld id="{A5B49AA5-F3EA-48D0-8731-AD53D7F0CADF}" type="datetimeFigureOut">
               <a:rPr lang="ru-RU" smtClean="0"/>
-              <a:t>08.06.2021</a:t>
+              <a:t>11.06.2021</a:t>
             </a:fld>
             <a:endParaRPr lang="ru-RU"/>
           </a:p>
@@ -673,7 +676,7 @@
           <a:p>
             <a:fld id="{A5B49AA5-F3EA-48D0-8731-AD53D7F0CADF}" type="datetimeFigureOut">
               <a:rPr lang="ru-RU" smtClean="0"/>
-              <a:t>08.06.2021</a:t>
+              <a:t>11.06.2021</a:t>
             </a:fld>
             <a:endParaRPr lang="ru-RU"/>
           </a:p>
@@ -871,7 +874,7 @@
           <a:p>
             <a:fld id="{A5B49AA5-F3EA-48D0-8731-AD53D7F0CADF}" type="datetimeFigureOut">
               <a:rPr lang="ru-RU" smtClean="0"/>
-              <a:t>08.06.2021</a:t>
+              <a:t>11.06.2021</a:t>
             </a:fld>
             <a:endParaRPr lang="ru-RU"/>
           </a:p>
@@ -1146,7 +1149,7 @@
           <a:p>
             <a:fld id="{A5B49AA5-F3EA-48D0-8731-AD53D7F0CADF}" type="datetimeFigureOut">
               <a:rPr lang="ru-RU" smtClean="0"/>
-              <a:t>08.06.2021</a:t>
+              <a:t>11.06.2021</a:t>
             </a:fld>
             <a:endParaRPr lang="ru-RU"/>
           </a:p>
@@ -1411,7 +1414,7 @@
           <a:p>
             <a:fld id="{A5B49AA5-F3EA-48D0-8731-AD53D7F0CADF}" type="datetimeFigureOut">
               <a:rPr lang="ru-RU" smtClean="0"/>
-              <a:t>08.06.2021</a:t>
+              <a:t>11.06.2021</a:t>
             </a:fld>
             <a:endParaRPr lang="ru-RU"/>
           </a:p>
@@ -1823,7 +1826,7 @@
           <a:p>
             <a:fld id="{A5B49AA5-F3EA-48D0-8731-AD53D7F0CADF}" type="datetimeFigureOut">
               <a:rPr lang="ru-RU" smtClean="0"/>
-              <a:t>08.06.2021</a:t>
+              <a:t>11.06.2021</a:t>
             </a:fld>
             <a:endParaRPr lang="ru-RU"/>
           </a:p>
@@ -1964,7 +1967,7 @@
           <a:p>
             <a:fld id="{A5B49AA5-F3EA-48D0-8731-AD53D7F0CADF}" type="datetimeFigureOut">
               <a:rPr lang="ru-RU" smtClean="0"/>
-              <a:t>08.06.2021</a:t>
+              <a:t>11.06.2021</a:t>
             </a:fld>
             <a:endParaRPr lang="ru-RU"/>
           </a:p>
@@ -2077,7 +2080,7 @@
           <a:p>
             <a:fld id="{A5B49AA5-F3EA-48D0-8731-AD53D7F0CADF}" type="datetimeFigureOut">
               <a:rPr lang="ru-RU" smtClean="0"/>
-              <a:t>08.06.2021</a:t>
+              <a:t>11.06.2021</a:t>
             </a:fld>
             <a:endParaRPr lang="ru-RU"/>
           </a:p>
@@ -2388,7 +2391,7 @@
           <a:p>
             <a:fld id="{A5B49AA5-F3EA-48D0-8731-AD53D7F0CADF}" type="datetimeFigureOut">
               <a:rPr lang="ru-RU" smtClean="0"/>
-              <a:t>08.06.2021</a:t>
+              <a:t>11.06.2021</a:t>
             </a:fld>
             <a:endParaRPr lang="ru-RU"/>
           </a:p>
@@ -2676,7 +2679,7 @@
           <a:p>
             <a:fld id="{A5B49AA5-F3EA-48D0-8731-AD53D7F0CADF}" type="datetimeFigureOut">
               <a:rPr lang="ru-RU" smtClean="0"/>
-              <a:t>08.06.2021</a:t>
+              <a:t>11.06.2021</a:t>
             </a:fld>
             <a:endParaRPr lang="ru-RU"/>
           </a:p>
@@ -2917,7 +2920,7 @@
           <a:p>
             <a:fld id="{A5B49AA5-F3EA-48D0-8731-AD53D7F0CADF}" type="datetimeFigureOut">
               <a:rPr lang="ru-RU" smtClean="0"/>
-              <a:t>08.06.2021</a:t>
+              <a:t>11.06.2021</a:t>
             </a:fld>
             <a:endParaRPr lang="ru-RU"/>
           </a:p>
@@ -3382,8 +3385,8 @@
         </p:nvSpPr>
         <p:spPr>
           <a:xfrm>
-            <a:off x="1524000" y="3816219"/>
-            <a:ext cx="9144000" cy="2635379"/>
+            <a:off x="1524000" y="5401733"/>
+            <a:ext cx="9144000" cy="1049865"/>
           </a:xfrm>
         </p:spPr>
         <p:txBody>
@@ -3393,7 +3396,7 @@
             <a:pPr algn="r"/>
             <a:r>
               <a:rPr lang="ru-RU" dirty="0"/>
-              <a:t>Студент: Склифасовский Д.О.</a:t>
+              <a:t>Исполнитель: Склифасовский Д.О.</a:t>
             </a:r>
           </a:p>
           <a:p>
@@ -3598,8 +3601,8 @@
           </a:lstStyle>
           <a:p>
             <a:r>
-              <a:rPr lang="ru-RU" sz="1400" dirty="0"/>
-              <a:t>Приложение Б. Презентация.</a:t>
+              <a:rPr lang="ru-RU" sz="1400" b="1" dirty="0"/>
+              <a:t>Приложение А. Презентация.</a:t>
             </a:r>
           </a:p>
         </p:txBody>
@@ -3768,7 +3771,7 @@
           <p:cNvPr id="2" name="Заголовок 1">
             <a:extLst>
               <a:ext uri="{FF2B5EF4-FFF2-40B4-BE49-F238E27FC236}">
-                <a16:creationId xmlns:a16="http://schemas.microsoft.com/office/drawing/2014/main" id="{CFE9CE5D-30EF-4EF4-9C2E-98DE4E51D9B8}"/>
+                <a16:creationId xmlns:a16="http://schemas.microsoft.com/office/drawing/2014/main" id="{606488D9-3C61-4556-9B30-5CE910560C82}"/>
               </a:ext>
             </a:extLst>
           </p:cNvPr>
@@ -3786,87 +3789,63 @@
           <a:p>
             <a:r>
               <a:rPr lang="ru-RU" dirty="0"/>
-              <a:t>Интерфейс</a:t>
-            </a:r>
-          </a:p>
-        </p:txBody>
-      </p:sp>
-      <p:pic>
-        <p:nvPicPr>
-          <p:cNvPr id="5" name="Рисунок 4">
-            <a:extLst>
-              <a:ext uri="{FF2B5EF4-FFF2-40B4-BE49-F238E27FC236}">
-                <a16:creationId xmlns:a16="http://schemas.microsoft.com/office/drawing/2014/main" id="{FEAB7FF1-3147-4D8E-B678-1C6BDD788E5C}"/>
-              </a:ext>
-            </a:extLst>
-          </p:cNvPr>
-          <p:cNvPicPr>
-            <a:picLocks noChangeAspect="1"/>
-          </p:cNvPicPr>
-          <p:nvPr/>
-        </p:nvPicPr>
-        <p:blipFill>
-          <a:blip r:embed="rId2">
-            <a:extLst>
-              <a:ext uri="{28A0092B-C50C-407E-A947-70E740481C1C}">
-                <a14:useLocalDpi xmlns:a14="http://schemas.microsoft.com/office/drawing/2010/main" val="0"/>
-              </a:ext>
-            </a:extLst>
-          </a:blip>
-          <a:stretch>
-            <a:fillRect/>
-          </a:stretch>
-        </p:blipFill>
-        <p:spPr>
-          <a:xfrm>
-            <a:off x="4661419" y="1223849"/>
-            <a:ext cx="2362200" cy="1352550"/>
-          </a:xfrm>
-          <a:prstGeom prst="rect">
-            <a:avLst/>
-          </a:prstGeom>
-        </p:spPr>
-      </p:pic>
-      <p:pic>
-        <p:nvPicPr>
-          <p:cNvPr id="7" name="Рисунок 6">
-            <a:extLst>
-              <a:ext uri="{FF2B5EF4-FFF2-40B4-BE49-F238E27FC236}">
-                <a16:creationId xmlns:a16="http://schemas.microsoft.com/office/drawing/2014/main" id="{8137A253-8A1C-490D-ADEB-BB9E414F0F5D}"/>
-              </a:ext>
-            </a:extLst>
-          </p:cNvPr>
-          <p:cNvPicPr>
-            <a:picLocks noChangeAspect="1"/>
-          </p:cNvPicPr>
-          <p:nvPr/>
-        </p:nvPicPr>
-        <p:blipFill>
-          <a:blip r:embed="rId3">
-            <a:extLst>
-              <a:ext uri="{28A0092B-C50C-407E-A947-70E740481C1C}">
-                <a14:useLocalDpi xmlns:a14="http://schemas.microsoft.com/office/drawing/2010/main" val="0"/>
-              </a:ext>
-            </a:extLst>
-          </a:blip>
-          <a:stretch>
-            <a:fillRect/>
-          </a:stretch>
-        </p:blipFill>
-        <p:spPr>
-          <a:xfrm>
-            <a:off x="1673290" y="2549412"/>
-            <a:ext cx="8338458" cy="3933869"/>
-          </a:xfrm>
-          <a:prstGeom prst="rect">
-            <a:avLst/>
-          </a:prstGeom>
-        </p:spPr>
-      </p:pic>
+              <a:t>Заключение</a:t>
+            </a:r>
+          </a:p>
+        </p:txBody>
+      </p:sp>
+      <p:sp>
+        <p:nvSpPr>
+          <p:cNvPr id="3" name="Объект 2">
+            <a:extLst>
+              <a:ext uri="{FF2B5EF4-FFF2-40B4-BE49-F238E27FC236}">
+                <a16:creationId xmlns:a16="http://schemas.microsoft.com/office/drawing/2014/main" id="{553C0F50-D943-4C59-8067-393825DB8675}"/>
+              </a:ext>
+            </a:extLst>
+          </p:cNvPr>
+          <p:cNvSpPr>
+            <a:spLocks noGrp="1"/>
+          </p:cNvSpPr>
+          <p:nvPr>
+            <p:ph idx="1"/>
+          </p:nvPr>
+        </p:nvSpPr>
+        <p:spPr/>
+        <p:txBody>
+          <a:bodyPr/>
+          <a:lstStyle/>
+          <a:p>
+            <a:pPr marL="0" indent="0">
+              <a:buNone/>
+            </a:pPr>
+            <a:r>
+              <a:rPr lang="ru-RU" dirty="0"/>
+              <a:t>Цель курсовой работы достигнута.</a:t>
+            </a:r>
+          </a:p>
+          <a:p>
+            <a:pPr marL="0" indent="0">
+              <a:buNone/>
+            </a:pPr>
+            <a:r>
+              <a:rPr lang="ru-RU" dirty="0"/>
+              <a:t>В результате, с использованием языка программирования C\# и СУБД </a:t>
+            </a:r>
+            <a:r>
+              <a:rPr lang="ru-RU" dirty="0" err="1"/>
+              <a:t>PostgreSQL</a:t>
+            </a:r>
+            <a:r>
+              <a:rPr lang="ru-RU" dirty="0"/>
+              <a:t> было создано многофункциональное приложение для получения информации об игроках с возможностью их покупки и продажи. Получен опыт разработки базы данных и приложения по паттерну MVC. </a:t>
+            </a:r>
+          </a:p>
+        </p:txBody>
+      </p:sp>
     </p:spTree>
     <p:extLst>
       <p:ext uri="{BB962C8B-B14F-4D97-AF65-F5344CB8AC3E}">
-        <p14:creationId xmlns:p14="http://schemas.microsoft.com/office/powerpoint/2010/main" val="259828690"/>
+        <p14:creationId xmlns:p14="http://schemas.microsoft.com/office/powerpoint/2010/main" val="2650127248"/>
       </p:ext>
     </p:extLst>
   </p:cSld>
@@ -3898,112 +3877,6 @@
           <p:cNvPr id="2" name="Заголовок 1">
             <a:extLst>
               <a:ext uri="{FF2B5EF4-FFF2-40B4-BE49-F238E27FC236}">
-                <a16:creationId xmlns:a16="http://schemas.microsoft.com/office/drawing/2014/main" id="{606488D9-3C61-4556-9B30-5CE910560C82}"/>
-              </a:ext>
-            </a:extLst>
-          </p:cNvPr>
-          <p:cNvSpPr>
-            <a:spLocks noGrp="1"/>
-          </p:cNvSpPr>
-          <p:nvPr>
-            <p:ph type="title"/>
-          </p:nvPr>
-        </p:nvSpPr>
-        <p:spPr/>
-        <p:txBody>
-          <a:bodyPr/>
-          <a:lstStyle/>
-          <a:p>
-            <a:r>
-              <a:rPr lang="ru-RU" dirty="0"/>
-              <a:t>Заключение</a:t>
-            </a:r>
-          </a:p>
-        </p:txBody>
-      </p:sp>
-      <p:sp>
-        <p:nvSpPr>
-          <p:cNvPr id="3" name="Объект 2">
-            <a:extLst>
-              <a:ext uri="{FF2B5EF4-FFF2-40B4-BE49-F238E27FC236}">
-                <a16:creationId xmlns:a16="http://schemas.microsoft.com/office/drawing/2014/main" id="{553C0F50-D943-4C59-8067-393825DB8675}"/>
-              </a:ext>
-            </a:extLst>
-          </p:cNvPr>
-          <p:cNvSpPr>
-            <a:spLocks noGrp="1"/>
-          </p:cNvSpPr>
-          <p:nvPr>
-            <p:ph idx="1"/>
-          </p:nvPr>
-        </p:nvSpPr>
-        <p:spPr/>
-        <p:txBody>
-          <a:bodyPr/>
-          <a:lstStyle/>
-          <a:p>
-            <a:pPr marL="0" indent="0">
-              <a:buNone/>
-            </a:pPr>
-            <a:r>
-              <a:rPr lang="ru-RU" dirty="0"/>
-              <a:t>Цель курсовой работы достигнута.</a:t>
-            </a:r>
-          </a:p>
-          <a:p>
-            <a:pPr marL="0" indent="0">
-              <a:buNone/>
-            </a:pPr>
-            <a:r>
-              <a:rPr lang="ru-RU" dirty="0"/>
-              <a:t>В результате, с использованием языка программирования C\# и СУБД </a:t>
-            </a:r>
-            <a:r>
-              <a:rPr lang="ru-RU" dirty="0" err="1"/>
-              <a:t>PostgreSQL</a:t>
-            </a:r>
-            <a:r>
-              <a:rPr lang="ru-RU" dirty="0"/>
-              <a:t> было создано многофункциональное приложение для получения информации об игроках с возможностью их покупки и продажи. Получен опыт разработки базы данных и приложения по паттерну MVC. </a:t>
-            </a:r>
-          </a:p>
-        </p:txBody>
-      </p:sp>
-    </p:spTree>
-    <p:extLst>
-      <p:ext uri="{BB962C8B-B14F-4D97-AF65-F5344CB8AC3E}">
-        <p14:creationId xmlns:p14="http://schemas.microsoft.com/office/powerpoint/2010/main" val="2650127248"/>
-      </p:ext>
-    </p:extLst>
-  </p:cSld>
-  <p:clrMapOvr>
-    <a:masterClrMapping/>
-  </p:clrMapOvr>
-</p:sld>
-</file>
-
-<file path=ppt/slides/slide13.xml><?xml version="1.0" encoding="utf-8"?>
-<p:sld xmlns:a="http://schemas.openxmlformats.org/drawingml/2006/main" xmlns:r="http://schemas.openxmlformats.org/officeDocument/2006/relationships" xmlns:p="http://schemas.openxmlformats.org/presentationml/2006/main">
-  <p:cSld>
-    <p:spTree>
-      <p:nvGrpSpPr>
-        <p:cNvPr id="1" name=""/>
-        <p:cNvGrpSpPr/>
-        <p:nvPr/>
-      </p:nvGrpSpPr>
-      <p:grpSpPr>
-        <a:xfrm>
-          <a:off x="0" y="0"/>
-          <a:ext cx="0" cy="0"/>
-          <a:chOff x="0" y="0"/>
-          <a:chExt cx="0" cy="0"/>
-        </a:xfrm>
-      </p:grpSpPr>
-      <p:sp>
-        <p:nvSpPr>
-          <p:cNvPr id="2" name="Заголовок 1">
-            <a:extLst>
-              <a:ext uri="{FF2B5EF4-FFF2-40B4-BE49-F238E27FC236}">
                 <a16:creationId xmlns:a16="http://schemas.microsoft.com/office/drawing/2014/main" id="{5015F052-9A02-450C-A72E-E8201C69A4C9}"/>
               </a:ext>
             </a:extLst>
@@ -4088,70 +3961,6 @@
     <p:extLst>
       <p:ext uri="{BB962C8B-B14F-4D97-AF65-F5344CB8AC3E}">
         <p14:creationId xmlns:p14="http://schemas.microsoft.com/office/powerpoint/2010/main" val="3538280299"/>
-      </p:ext>
-    </p:extLst>
-  </p:cSld>
-  <p:clrMapOvr>
-    <a:masterClrMapping/>
-  </p:clrMapOvr>
-</p:sld>
-</file>
-
-<file path=ppt/slides/slide14.xml><?xml version="1.0" encoding="utf-8"?>
-<p:sld xmlns:a="http://schemas.openxmlformats.org/drawingml/2006/main" xmlns:r="http://schemas.openxmlformats.org/officeDocument/2006/relationships" xmlns:p="http://schemas.openxmlformats.org/presentationml/2006/main">
-  <p:cSld>
-    <p:spTree>
-      <p:nvGrpSpPr>
-        <p:cNvPr id="1" name=""/>
-        <p:cNvGrpSpPr/>
-        <p:nvPr/>
-      </p:nvGrpSpPr>
-      <p:grpSpPr>
-        <a:xfrm>
-          <a:off x="0" y="0"/>
-          <a:ext cx="0" cy="0"/>
-          <a:chOff x="0" y="0"/>
-          <a:chExt cx="0" cy="0"/>
-        </a:xfrm>
-      </p:grpSpPr>
-      <p:sp>
-        <p:nvSpPr>
-          <p:cNvPr id="4" name="Заголовок 3">
-            <a:extLst>
-              <a:ext uri="{FF2B5EF4-FFF2-40B4-BE49-F238E27FC236}">
-                <a16:creationId xmlns:a16="http://schemas.microsoft.com/office/drawing/2014/main" id="{11FAF4F9-20CD-45F9-AAEA-E49D2A973C03}"/>
-              </a:ext>
-            </a:extLst>
-          </p:cNvPr>
-          <p:cNvSpPr>
-            <a:spLocks noGrp="1"/>
-          </p:cNvSpPr>
-          <p:nvPr>
-            <p:ph type="title"/>
-          </p:nvPr>
-        </p:nvSpPr>
-        <p:spPr>
-          <a:xfrm>
-            <a:off x="838200" y="2766218"/>
-            <a:ext cx="10515600" cy="1325563"/>
-          </a:xfrm>
-        </p:spPr>
-        <p:txBody>
-          <a:bodyPr/>
-          <a:lstStyle/>
-          <a:p>
-            <a:pPr algn="ctr"/>
-            <a:r>
-              <a:rPr lang="ru-RU" dirty="0"/>
-              <a:t>Спасибо за внимание</a:t>
-            </a:r>
-          </a:p>
-        </p:txBody>
-      </p:sp>
-    </p:spTree>
-    <p:extLst>
-      <p:ext uri="{BB962C8B-B14F-4D97-AF65-F5344CB8AC3E}">
-        <p14:creationId xmlns:p14="http://schemas.microsoft.com/office/powerpoint/2010/main" val="3820305890"/>
       </p:ext>
     </p:extLst>
   </p:cSld>
@@ -4201,7 +4010,7 @@
           <a:p>
             <a:r>
               <a:rPr lang="ru-RU" dirty="0"/>
-              <a:t>Цели и задачи</a:t>
+              <a:t>Цель и задачи</a:t>
             </a:r>
           </a:p>
         </p:txBody>
@@ -4238,7 +4047,7 @@
             </a:r>
             <a:r>
               <a:rPr lang="ru-RU" dirty="0"/>
-              <a:t> </a:t>
+              <a:t> создание базы данных </a:t>
             </a:r>
             <a:r>
               <a:rPr lang="ru-RU" sz="2400" dirty="0"/>
@@ -4330,7 +4139,7 @@
           <p:cNvPr id="2" name="Заголовок 1">
             <a:extLst>
               <a:ext uri="{FF2B5EF4-FFF2-40B4-BE49-F238E27FC236}">
-                <a16:creationId xmlns:a16="http://schemas.microsoft.com/office/drawing/2014/main" id="{9A04531D-275C-46CF-8A3F-09D0DB85EC63}"/>
+                <a16:creationId xmlns:a16="http://schemas.microsoft.com/office/drawing/2014/main" id="{84BF042B-F6C9-4B0F-B0E1-7222702010E8}"/>
               </a:ext>
             </a:extLst>
           </p:cNvPr>
@@ -4348,107 +4157,655 @@
           <a:p>
             <a:r>
               <a:rPr lang="ru-RU" dirty="0"/>
-              <a:t>Проектирование базы данных</a:t>
-            </a:r>
-          </a:p>
-        </p:txBody>
-      </p:sp>
-      <p:sp>
-        <p:nvSpPr>
-          <p:cNvPr id="3" name="Объект 2">
-            <a:extLst>
-              <a:ext uri="{FF2B5EF4-FFF2-40B4-BE49-F238E27FC236}">
-                <a16:creationId xmlns:a16="http://schemas.microsoft.com/office/drawing/2014/main" id="{D4C66C11-6616-4B06-9B6C-DA19EB8429E2}"/>
-              </a:ext>
-            </a:extLst>
-          </p:cNvPr>
-          <p:cNvSpPr>
-            <a:spLocks noGrp="1"/>
-          </p:cNvSpPr>
-          <p:nvPr>
-            <p:ph idx="1"/>
-          </p:nvPr>
-        </p:nvSpPr>
-        <p:spPr/>
-        <p:txBody>
-          <a:bodyPr>
-            <a:normAutofit fontScale="92500" lnSpcReduction="20000"/>
-          </a:bodyPr>
-          <a:lstStyle/>
-          <a:p>
-            <a:pPr marL="0" indent="0">
-              <a:buNone/>
-            </a:pPr>
-            <a:r>
-              <a:rPr lang="ru-RU" dirty="0"/>
-              <a:t>Выделенные сущности:</a:t>
-            </a:r>
-          </a:p>
-          <a:p>
-            <a:r>
-              <a:rPr lang="ru-RU" dirty="0" err="1"/>
-              <a:t>UserInfo</a:t>
-            </a:r>
-            <a:r>
-              <a:rPr lang="ru-RU" dirty="0"/>
-              <a:t> - таблица, в которой хранится информация о пользователях</a:t>
-            </a:r>
-          </a:p>
-          <a:p>
-            <a:r>
-              <a:rPr lang="ru-RU" dirty="0"/>
-              <a:t>Management - таблица, в которой хранятся ID аналитиков и менеджеров, которые закреплены за определенной командой</a:t>
-            </a:r>
-          </a:p>
-          <a:p>
-            <a:r>
-              <a:rPr lang="ru-RU" dirty="0"/>
-              <a:t>Team - таблица, в которой хранится информация о командах</a:t>
-            </a:r>
-          </a:p>
-          <a:p>
-            <a:r>
-              <a:rPr lang="ru-RU" dirty="0"/>
-              <a:t>Player - таблица, в которой хранится информация об игроках</a:t>
-            </a:r>
-          </a:p>
-          <a:p>
-            <a:r>
-              <a:rPr lang="ru-RU" dirty="0" err="1"/>
-              <a:t>AvailableDeals</a:t>
-            </a:r>
-            <a:r>
-              <a:rPr lang="ru-RU" dirty="0"/>
-              <a:t> - таблица, в которой хранится информация о доступных сделках определенного менеджмента</a:t>
-            </a:r>
-          </a:p>
-          <a:p>
-            <a:r>
-              <a:rPr lang="ru-RU" dirty="0" err="1"/>
-              <a:t>DesiredPlayers</a:t>
-            </a:r>
-            <a:r>
-              <a:rPr lang="ru-RU" dirty="0"/>
-              <a:t> - таблица, в которой хранится информация о желаемых игроках определенного менеджмента</a:t>
-            </a:r>
-            <a:endParaRPr lang="en-US" dirty="0"/>
-          </a:p>
-          <a:p>
-            <a:r>
-              <a:rPr lang="ru-RU" dirty="0" err="1"/>
-              <a:t>Statistics</a:t>
-            </a:r>
-            <a:r>
-              <a:rPr lang="ru-RU" dirty="0"/>
-              <a:t> - таблица, в которой хранится информация о статистике определенного игрока</a:t>
-            </a:r>
-          </a:p>
-        </p:txBody>
-      </p:sp>
+              <a:t>Выбор СУБД</a:t>
+            </a:r>
+          </a:p>
+        </p:txBody>
+      </p:sp>
+      <p:graphicFrame>
+        <p:nvGraphicFramePr>
+          <p:cNvPr id="7" name="Таблица 7">
+            <a:extLst>
+              <a:ext uri="{FF2B5EF4-FFF2-40B4-BE49-F238E27FC236}">
+                <a16:creationId xmlns:a16="http://schemas.microsoft.com/office/drawing/2014/main" id="{C8358DF9-7280-40AD-A095-25425B117636}"/>
+              </a:ext>
+            </a:extLst>
+          </p:cNvPr>
+          <p:cNvGraphicFramePr>
+            <a:graphicFrameLocks noGrp="1"/>
+          </p:cNvGraphicFramePr>
+          <p:nvPr>
+            <p:extLst>
+              <p:ext uri="{D42A27DB-BD31-4B8C-83A1-F6EECF244321}">
+                <p14:modId xmlns:p14="http://schemas.microsoft.com/office/powerpoint/2010/main" val="378508754"/>
+              </p:ext>
+            </p:extLst>
+          </p:nvPr>
+        </p:nvGraphicFramePr>
+        <p:xfrm>
+          <a:off x="1698172" y="1690688"/>
+          <a:ext cx="8795655" cy="4485640"/>
+        </p:xfrm>
+        <a:graphic>
+          <a:graphicData uri="http://schemas.openxmlformats.org/drawingml/2006/table">
+            <a:tbl>
+              <a:tblPr firstRow="1" bandRow="1">
+                <a:tableStyleId>{5C22544A-7EE6-4342-B048-85BDC9FD1C3A}</a:tableStyleId>
+              </a:tblPr>
+              <a:tblGrid>
+                <a:gridCol w="2264227">
+                  <a:extLst>
+                    <a:ext uri="{9D8B030D-6E8A-4147-A177-3AD203B41FA5}">
+                      <a16:colId xmlns:a16="http://schemas.microsoft.com/office/drawing/2014/main" val="1904347933"/>
+                    </a:ext>
+                  </a:extLst>
+                </a:gridCol>
+                <a:gridCol w="1750423">
+                  <a:extLst>
+                    <a:ext uri="{9D8B030D-6E8A-4147-A177-3AD203B41FA5}">
+                      <a16:colId xmlns:a16="http://schemas.microsoft.com/office/drawing/2014/main" val="457865553"/>
+                    </a:ext>
+                  </a:extLst>
+                </a:gridCol>
+                <a:gridCol w="1666822">
+                  <a:extLst>
+                    <a:ext uri="{9D8B030D-6E8A-4147-A177-3AD203B41FA5}">
+                      <a16:colId xmlns:a16="http://schemas.microsoft.com/office/drawing/2014/main" val="1097610558"/>
+                    </a:ext>
+                  </a:extLst>
+                </a:gridCol>
+                <a:gridCol w="1572767">
+                  <a:extLst>
+                    <a:ext uri="{9D8B030D-6E8A-4147-A177-3AD203B41FA5}">
+                      <a16:colId xmlns:a16="http://schemas.microsoft.com/office/drawing/2014/main" val="2477608145"/>
+                    </a:ext>
+                  </a:extLst>
+                </a:gridCol>
+                <a:gridCol w="1541416">
+                  <a:extLst>
+                    <a:ext uri="{9D8B030D-6E8A-4147-A177-3AD203B41FA5}">
+                      <a16:colId xmlns:a16="http://schemas.microsoft.com/office/drawing/2014/main" val="666498919"/>
+                    </a:ext>
+                  </a:extLst>
+                </a:gridCol>
+              </a:tblGrid>
+              <a:tr h="370840">
+                <a:tc>
+                  <a:txBody>
+                    <a:bodyPr/>
+                    <a:lstStyle/>
+                    <a:p>
+                      <a:endParaRPr lang="ru-RU" dirty="0"/>
+                    </a:p>
+                  </a:txBody>
+                  <a:tcPr/>
+                </a:tc>
+                <a:tc>
+                  <a:txBody>
+                    <a:bodyPr/>
+                    <a:lstStyle/>
+                    <a:p>
+                      <a:r>
+                        <a:rPr lang="en-US" dirty="0"/>
+                        <a:t>Oracle</a:t>
+                      </a:r>
+                      <a:endParaRPr lang="ru-RU" dirty="0"/>
+                    </a:p>
+                  </a:txBody>
+                  <a:tcPr/>
+                </a:tc>
+                <a:tc>
+                  <a:txBody>
+                    <a:bodyPr/>
+                    <a:lstStyle/>
+                    <a:p>
+                      <a:r>
+                        <a:rPr lang="en-US" sz="1800" b="1" dirty="0"/>
+                        <a:t>MySQL</a:t>
+                      </a:r>
+                      <a:endParaRPr lang="ru-RU" dirty="0"/>
+                    </a:p>
+                  </a:txBody>
+                  <a:tcPr/>
+                </a:tc>
+                <a:tc>
+                  <a:txBody>
+                    <a:bodyPr/>
+                    <a:lstStyle/>
+                    <a:p>
+                      <a:r>
+                        <a:rPr lang="en-US" sz="1800" b="1" dirty="0"/>
+                        <a:t>Microsoft SQL Server</a:t>
+                      </a:r>
+                      <a:endParaRPr lang="ru-RU" dirty="0"/>
+                    </a:p>
+                  </a:txBody>
+                  <a:tcPr/>
+                </a:tc>
+                <a:tc>
+                  <a:txBody>
+                    <a:bodyPr/>
+                    <a:lstStyle/>
+                    <a:p>
+                      <a:r>
+                        <a:rPr lang="en-US" sz="1800" b="1" dirty="0"/>
+                        <a:t>PostgreSQL</a:t>
+                      </a:r>
+                      <a:endParaRPr lang="ru-RU" dirty="0"/>
+                    </a:p>
+                  </a:txBody>
+                  <a:tcPr/>
+                </a:tc>
+                <a:extLst>
+                  <a:ext uri="{0D108BD9-81ED-4DB2-BD59-A6C34878D82A}">
+                    <a16:rowId xmlns:a16="http://schemas.microsoft.com/office/drawing/2014/main" val="2618895676"/>
+                  </a:ext>
+                </a:extLst>
+              </a:tr>
+              <a:tr h="370840">
+                <a:tc>
+                  <a:txBody>
+                    <a:bodyPr/>
+                    <a:lstStyle/>
+                    <a:p>
+                      <a:r>
+                        <a:rPr lang="ru-RU" dirty="0"/>
+                        <a:t>Простота в использовании</a:t>
+                      </a:r>
+                    </a:p>
+                  </a:txBody>
+                  <a:tcPr/>
+                </a:tc>
+                <a:tc>
+                  <a:txBody>
+                    <a:bodyPr/>
+                    <a:lstStyle/>
+                    <a:p>
+                      <a:pPr algn="ctr"/>
+                      <a:r>
+                        <a:rPr lang="ru-RU" dirty="0"/>
+                        <a:t>+</a:t>
+                      </a:r>
+                    </a:p>
+                  </a:txBody>
+                  <a:tcPr/>
+                </a:tc>
+                <a:tc>
+                  <a:txBody>
+                    <a:bodyPr/>
+                    <a:lstStyle/>
+                    <a:p>
+                      <a:pPr algn="ctr"/>
+                      <a:r>
+                        <a:rPr lang="ru-RU" dirty="0"/>
+                        <a:t>+</a:t>
+                      </a:r>
+                    </a:p>
+                  </a:txBody>
+                  <a:tcPr/>
+                </a:tc>
+                <a:tc>
+                  <a:txBody>
+                    <a:bodyPr/>
+                    <a:lstStyle/>
+                    <a:p>
+                      <a:pPr algn="ctr"/>
+                      <a:r>
+                        <a:rPr lang="ru-RU" dirty="0"/>
+                        <a:t>+</a:t>
+                      </a:r>
+                    </a:p>
+                  </a:txBody>
+                  <a:tcPr/>
+                </a:tc>
+                <a:tc>
+                  <a:txBody>
+                    <a:bodyPr/>
+                    <a:lstStyle/>
+                    <a:p>
+                      <a:pPr algn="ctr"/>
+                      <a:r>
+                        <a:rPr lang="ru-RU" dirty="0"/>
+                        <a:t>+</a:t>
+                      </a:r>
+                    </a:p>
+                  </a:txBody>
+                  <a:tcPr/>
+                </a:tc>
+                <a:extLst>
+                  <a:ext uri="{0D108BD9-81ED-4DB2-BD59-A6C34878D82A}">
+                    <a16:rowId xmlns:a16="http://schemas.microsoft.com/office/drawing/2014/main" val="2505220633"/>
+                  </a:ext>
+                </a:extLst>
+              </a:tr>
+              <a:tr h="370840">
+                <a:tc>
+                  <a:txBody>
+                    <a:bodyPr/>
+                    <a:lstStyle/>
+                    <a:p>
+                      <a:r>
+                        <a:rPr lang="ru-RU" dirty="0"/>
+                        <a:t>Бесплатная</a:t>
+                      </a:r>
+                    </a:p>
+                  </a:txBody>
+                  <a:tcPr/>
+                </a:tc>
+                <a:tc>
+                  <a:txBody>
+                    <a:bodyPr/>
+                    <a:lstStyle/>
+                    <a:p>
+                      <a:pPr algn="ctr"/>
+                      <a:r>
+                        <a:rPr lang="ru-RU" dirty="0"/>
+                        <a:t>-</a:t>
+                      </a:r>
+                    </a:p>
+                  </a:txBody>
+                  <a:tcPr/>
+                </a:tc>
+                <a:tc>
+                  <a:txBody>
+                    <a:bodyPr/>
+                    <a:lstStyle/>
+                    <a:p>
+                      <a:pPr algn="ctr"/>
+                      <a:r>
+                        <a:rPr lang="ru-RU" dirty="0"/>
+                        <a:t>+</a:t>
+                      </a:r>
+                    </a:p>
+                  </a:txBody>
+                  <a:tcPr/>
+                </a:tc>
+                <a:tc>
+                  <a:txBody>
+                    <a:bodyPr/>
+                    <a:lstStyle/>
+                    <a:p>
+                      <a:pPr algn="ctr"/>
+                      <a:r>
+                        <a:rPr lang="ru-RU" dirty="0"/>
+                        <a:t>+</a:t>
+                      </a:r>
+                    </a:p>
+                  </a:txBody>
+                  <a:tcPr/>
+                </a:tc>
+                <a:tc>
+                  <a:txBody>
+                    <a:bodyPr/>
+                    <a:lstStyle/>
+                    <a:p>
+                      <a:pPr algn="ctr"/>
+                      <a:r>
+                        <a:rPr lang="ru-RU" dirty="0"/>
+                        <a:t>+</a:t>
+                      </a:r>
+                    </a:p>
+                  </a:txBody>
+                  <a:tcPr/>
+                </a:tc>
+                <a:extLst>
+                  <a:ext uri="{0D108BD9-81ED-4DB2-BD59-A6C34878D82A}">
+                    <a16:rowId xmlns:a16="http://schemas.microsoft.com/office/drawing/2014/main" val="1705363856"/>
+                  </a:ext>
+                </a:extLst>
+              </a:tr>
+              <a:tr h="370840">
+                <a:tc>
+                  <a:txBody>
+                    <a:bodyPr/>
+                    <a:lstStyle/>
+                    <a:p>
+                      <a:r>
+                        <a:rPr lang="ru-RU" dirty="0"/>
+                        <a:t>Безопасность данных</a:t>
+                      </a:r>
+                    </a:p>
+                  </a:txBody>
+                  <a:tcPr/>
+                </a:tc>
+                <a:tc>
+                  <a:txBody>
+                    <a:bodyPr/>
+                    <a:lstStyle/>
+                    <a:p>
+                      <a:pPr algn="ctr"/>
+                      <a:r>
+                        <a:rPr lang="ru-RU" dirty="0"/>
+                        <a:t>+</a:t>
+                      </a:r>
+                    </a:p>
+                  </a:txBody>
+                  <a:tcPr/>
+                </a:tc>
+                <a:tc>
+                  <a:txBody>
+                    <a:bodyPr/>
+                    <a:lstStyle/>
+                    <a:p>
+                      <a:pPr algn="ctr"/>
+                      <a:r>
+                        <a:rPr lang="ru-RU" dirty="0"/>
+                        <a:t>-</a:t>
+                      </a:r>
+                    </a:p>
+                  </a:txBody>
+                  <a:tcPr/>
+                </a:tc>
+                <a:tc>
+                  <a:txBody>
+                    <a:bodyPr/>
+                    <a:lstStyle/>
+                    <a:p>
+                      <a:pPr algn="ctr"/>
+                      <a:r>
+                        <a:rPr lang="ru-RU" dirty="0"/>
+                        <a:t>+</a:t>
+                      </a:r>
+                    </a:p>
+                  </a:txBody>
+                  <a:tcPr/>
+                </a:tc>
+                <a:tc>
+                  <a:txBody>
+                    <a:bodyPr/>
+                    <a:lstStyle/>
+                    <a:p>
+                      <a:pPr algn="ctr"/>
+                      <a:r>
+                        <a:rPr lang="ru-RU" dirty="0"/>
+                        <a:t>+</a:t>
+                      </a:r>
+                    </a:p>
+                  </a:txBody>
+                  <a:tcPr/>
+                </a:tc>
+                <a:extLst>
+                  <a:ext uri="{0D108BD9-81ED-4DB2-BD59-A6C34878D82A}">
+                    <a16:rowId xmlns:a16="http://schemas.microsoft.com/office/drawing/2014/main" val="737663144"/>
+                  </a:ext>
+                </a:extLst>
+              </a:tr>
+              <a:tr h="370840">
+                <a:tc>
+                  <a:txBody>
+                    <a:bodyPr/>
+                    <a:lstStyle/>
+                    <a:p>
+                      <a:r>
+                        <a:rPr lang="ru-RU" sz="1800" kern="1200" dirty="0">
+                          <a:solidFill>
+                            <a:schemeClr val="dk1"/>
+                          </a:solidFill>
+                          <a:effectLst/>
+                          <a:latin typeface="+mn-lt"/>
+                          <a:ea typeface="+mn-ea"/>
+                          <a:cs typeface="+mn-cs"/>
+                        </a:rPr>
+                        <a:t>Поддержка стандарта </a:t>
+                      </a:r>
+                      <a:r>
+                        <a:rPr lang="en-US" sz="1800" kern="1200" dirty="0">
+                          <a:solidFill>
+                            <a:schemeClr val="dk1"/>
+                          </a:solidFill>
+                          <a:effectLst/>
+                          <a:latin typeface="+mn-lt"/>
+                          <a:ea typeface="+mn-ea"/>
+                          <a:cs typeface="+mn-cs"/>
+                        </a:rPr>
+                        <a:t>SQL</a:t>
+                      </a:r>
+                      <a:endParaRPr lang="ru-RU" dirty="0"/>
+                    </a:p>
+                  </a:txBody>
+                  <a:tcPr/>
+                </a:tc>
+                <a:tc>
+                  <a:txBody>
+                    <a:bodyPr/>
+                    <a:lstStyle/>
+                    <a:p>
+                      <a:pPr algn="ctr"/>
+                      <a:r>
+                        <a:rPr lang="ru-RU" dirty="0"/>
+                        <a:t>+</a:t>
+                      </a:r>
+                    </a:p>
+                  </a:txBody>
+                  <a:tcPr/>
+                </a:tc>
+                <a:tc>
+                  <a:txBody>
+                    <a:bodyPr/>
+                    <a:lstStyle/>
+                    <a:p>
+                      <a:pPr algn="ctr"/>
+                      <a:r>
+                        <a:rPr lang="ru-RU" dirty="0"/>
+                        <a:t>+</a:t>
+                      </a:r>
+                    </a:p>
+                  </a:txBody>
+                  <a:tcPr/>
+                </a:tc>
+                <a:tc>
+                  <a:txBody>
+                    <a:bodyPr/>
+                    <a:lstStyle/>
+                    <a:p>
+                      <a:pPr algn="ctr"/>
+                      <a:r>
+                        <a:rPr lang="ru-RU" dirty="0"/>
+                        <a:t>+</a:t>
+                      </a:r>
+                    </a:p>
+                  </a:txBody>
+                  <a:tcPr/>
+                </a:tc>
+                <a:tc>
+                  <a:txBody>
+                    <a:bodyPr/>
+                    <a:lstStyle/>
+                    <a:p>
+                      <a:pPr algn="ctr"/>
+                      <a:r>
+                        <a:rPr lang="ru-RU" dirty="0"/>
+                        <a:t>+</a:t>
+                      </a:r>
+                    </a:p>
+                  </a:txBody>
+                  <a:tcPr/>
+                </a:tc>
+                <a:extLst>
+                  <a:ext uri="{0D108BD9-81ED-4DB2-BD59-A6C34878D82A}">
+                    <a16:rowId xmlns:a16="http://schemas.microsoft.com/office/drawing/2014/main" val="338334469"/>
+                  </a:ext>
+                </a:extLst>
+              </a:tr>
+              <a:tr h="370840">
+                <a:tc>
+                  <a:txBody>
+                    <a:bodyPr/>
+                    <a:lstStyle/>
+                    <a:p>
+                      <a:r>
+                        <a:rPr lang="ru-RU" sz="1800" kern="1200" dirty="0">
+                          <a:solidFill>
+                            <a:schemeClr val="dk1"/>
+                          </a:solidFill>
+                          <a:effectLst/>
+                          <a:latin typeface="+mn-lt"/>
+                          <a:ea typeface="+mn-ea"/>
+                          <a:cs typeface="+mn-cs"/>
+                        </a:rPr>
+                        <a:t>Поддержка хранимых процедур и триггеров</a:t>
+                      </a:r>
+                      <a:endParaRPr lang="ru-RU" dirty="0"/>
+                    </a:p>
+                  </a:txBody>
+                  <a:tcPr/>
+                </a:tc>
+                <a:tc>
+                  <a:txBody>
+                    <a:bodyPr/>
+                    <a:lstStyle/>
+                    <a:p>
+                      <a:pPr algn="ctr"/>
+                      <a:r>
+                        <a:rPr lang="ru-RU" dirty="0"/>
+                        <a:t>+</a:t>
+                      </a:r>
+                    </a:p>
+                  </a:txBody>
+                  <a:tcPr/>
+                </a:tc>
+                <a:tc>
+                  <a:txBody>
+                    <a:bodyPr/>
+                    <a:lstStyle/>
+                    <a:p>
+                      <a:pPr algn="ctr"/>
+                      <a:r>
+                        <a:rPr lang="ru-RU" dirty="0"/>
+                        <a:t>+</a:t>
+                      </a:r>
+                    </a:p>
+                  </a:txBody>
+                  <a:tcPr/>
+                </a:tc>
+                <a:tc>
+                  <a:txBody>
+                    <a:bodyPr/>
+                    <a:lstStyle/>
+                    <a:p>
+                      <a:pPr algn="ctr"/>
+                      <a:r>
+                        <a:rPr lang="ru-RU" dirty="0"/>
+                        <a:t>+</a:t>
+                      </a:r>
+                    </a:p>
+                  </a:txBody>
+                  <a:tcPr/>
+                </a:tc>
+                <a:tc>
+                  <a:txBody>
+                    <a:bodyPr/>
+                    <a:lstStyle/>
+                    <a:p>
+                      <a:pPr algn="ctr"/>
+                      <a:r>
+                        <a:rPr lang="ru-RU" dirty="0"/>
+                        <a:t>+</a:t>
+                      </a:r>
+                    </a:p>
+                  </a:txBody>
+                  <a:tcPr/>
+                </a:tc>
+                <a:extLst>
+                  <a:ext uri="{0D108BD9-81ED-4DB2-BD59-A6C34878D82A}">
+                    <a16:rowId xmlns:a16="http://schemas.microsoft.com/office/drawing/2014/main" val="1141531095"/>
+                  </a:ext>
+                </a:extLst>
+              </a:tr>
+              <a:tr h="370840">
+                <a:tc>
+                  <a:txBody>
+                    <a:bodyPr/>
+                    <a:lstStyle/>
+                    <a:p>
+                      <a:r>
+                        <a:rPr lang="ru-RU" sz="1800" kern="1200" dirty="0">
+                          <a:solidFill>
+                            <a:schemeClr val="dk1"/>
+                          </a:solidFill>
+                          <a:effectLst/>
+                          <a:latin typeface="+mn-lt"/>
+                          <a:ea typeface="+mn-ea"/>
+                          <a:cs typeface="+mn-cs"/>
+                        </a:rPr>
+                        <a:t>Кроссплатформенность</a:t>
+                      </a:r>
+                      <a:endParaRPr lang="ru-RU" dirty="0"/>
+                    </a:p>
+                  </a:txBody>
+                  <a:tcPr/>
+                </a:tc>
+                <a:tc>
+                  <a:txBody>
+                    <a:bodyPr/>
+                    <a:lstStyle/>
+                    <a:p>
+                      <a:pPr algn="ctr"/>
+                      <a:r>
+                        <a:rPr lang="ru-RU" dirty="0"/>
+                        <a:t>+</a:t>
+                      </a:r>
+                    </a:p>
+                  </a:txBody>
+                  <a:tcPr/>
+                </a:tc>
+                <a:tc>
+                  <a:txBody>
+                    <a:bodyPr/>
+                    <a:lstStyle/>
+                    <a:p>
+                      <a:pPr algn="ctr"/>
+                      <a:r>
+                        <a:rPr lang="en-US" dirty="0"/>
+                        <a:t>+</a:t>
+                      </a:r>
+                      <a:endParaRPr lang="ru-RU" dirty="0"/>
+                    </a:p>
+                  </a:txBody>
+                  <a:tcPr/>
+                </a:tc>
+                <a:tc>
+                  <a:txBody>
+                    <a:bodyPr/>
+                    <a:lstStyle/>
+                    <a:p>
+                      <a:pPr algn="ctr"/>
+                      <a:r>
+                        <a:rPr lang="ru-RU" dirty="0"/>
+                        <a:t>-</a:t>
+                      </a:r>
+                    </a:p>
+                  </a:txBody>
+                  <a:tcPr/>
+                </a:tc>
+                <a:tc>
+                  <a:txBody>
+                    <a:bodyPr/>
+                    <a:lstStyle/>
+                    <a:p>
+                      <a:pPr algn="ctr"/>
+                      <a:r>
+                        <a:rPr lang="ru-RU" dirty="0"/>
+                        <a:t>+</a:t>
+                      </a:r>
+                    </a:p>
+                  </a:txBody>
+                  <a:tcPr/>
+                </a:tc>
+                <a:extLst>
+                  <a:ext uri="{0D108BD9-81ED-4DB2-BD59-A6C34878D82A}">
+                    <a16:rowId xmlns:a16="http://schemas.microsoft.com/office/drawing/2014/main" val="2937033790"/>
+                  </a:ext>
+                </a:extLst>
+              </a:tr>
+            </a:tbl>
+          </a:graphicData>
+        </a:graphic>
+      </p:graphicFrame>
     </p:spTree>
     <p:extLst>
       <p:ext uri="{BB962C8B-B14F-4D97-AF65-F5344CB8AC3E}">
-        <p14:creationId xmlns:p14="http://schemas.microsoft.com/office/powerpoint/2010/main" val="3955657814"/>
+        <p14:creationId xmlns:p14="http://schemas.microsoft.com/office/powerpoint/2010/main" val="1243200922"/>
       </p:ext>
     </p:extLst>
   </p:cSld>
@@ -4537,8 +4894,8 @@
         </p:blipFill>
         <p:spPr>
           <a:xfrm>
-            <a:off x="3681829" y="1825625"/>
-            <a:ext cx="4828342" cy="4351338"/>
+            <a:off x="3339514" y="1524544"/>
+            <a:ext cx="5512971" cy="4968331"/>
           </a:xfrm>
         </p:spPr>
       </p:pic>
@@ -4630,8 +4987,8 @@
         </p:blipFill>
         <p:spPr>
           <a:xfrm>
-            <a:off x="3405718" y="1825625"/>
-            <a:ext cx="5380563" cy="4351338"/>
+            <a:off x="3078880" y="1495424"/>
+            <a:ext cx="6034239" cy="4879975"/>
           </a:xfrm>
         </p:spPr>
       </p:pic>
@@ -5042,7 +5399,7 @@
           <p:cNvPr id="2" name="Заголовок 1">
             <a:extLst>
               <a:ext uri="{FF2B5EF4-FFF2-40B4-BE49-F238E27FC236}">
-                <a16:creationId xmlns:a16="http://schemas.microsoft.com/office/drawing/2014/main" id="{8C59EDA9-3B83-4C46-A82A-9283D29FDDC0}"/>
+                <a16:creationId xmlns:a16="http://schemas.microsoft.com/office/drawing/2014/main" id="{416A3F1B-F53B-4B22-9BFA-7F1B51A4FD1F}"/>
               </a:ext>
             </a:extLst>
           </p:cNvPr>
@@ -5060,66 +5417,85 @@
           <a:p>
             <a:r>
               <a:rPr lang="ru-RU" dirty="0"/>
-              <a:t>Проектирование приложения</a:t>
-            </a:r>
-          </a:p>
-        </p:txBody>
-      </p:sp>
-      <p:sp>
-        <p:nvSpPr>
-          <p:cNvPr id="3" name="Объект 2">
-            <a:extLst>
-              <a:ext uri="{FF2B5EF4-FFF2-40B4-BE49-F238E27FC236}">
-                <a16:creationId xmlns:a16="http://schemas.microsoft.com/office/drawing/2014/main" id="{D94A30AA-1C28-4563-BC89-B8C5B1538FAF}"/>
-              </a:ext>
-            </a:extLst>
-          </p:cNvPr>
-          <p:cNvSpPr>
-            <a:spLocks noGrp="1"/>
-          </p:cNvSpPr>
+              <a:t>Функции</a:t>
+            </a:r>
+          </a:p>
+        </p:txBody>
+      </p:sp>
+      <p:pic>
+        <p:nvPicPr>
+          <p:cNvPr id="5" name="Объект 4">
+            <a:extLst>
+              <a:ext uri="{FF2B5EF4-FFF2-40B4-BE49-F238E27FC236}">
+                <a16:creationId xmlns:a16="http://schemas.microsoft.com/office/drawing/2014/main" id="{4F1B2D2F-962A-493B-B598-726FF36A25A9}"/>
+              </a:ext>
+            </a:extLst>
+          </p:cNvPr>
+          <p:cNvPicPr>
+            <a:picLocks noGrp="1" noChangeAspect="1"/>
+          </p:cNvPicPr>
           <p:nvPr>
             <p:ph idx="1"/>
           </p:nvPr>
-        </p:nvSpPr>
-        <p:spPr/>
-        <p:txBody>
-          <a:bodyPr/>
-          <a:lstStyle/>
-          <a:p>
-            <a:pPr marL="0" indent="0">
-              <a:buNone/>
-            </a:pPr>
+        </p:nvPicPr>
+        <p:blipFill>
+          <a:blip r:embed="rId2">
+            <a:extLst>
+              <a:ext uri="{28A0092B-C50C-407E-A947-70E740481C1C}">
+                <a14:useLocalDpi xmlns:a14="http://schemas.microsoft.com/office/drawing/2010/main" val="0"/>
+              </a:ext>
+            </a:extLst>
+          </a:blip>
+          <a:stretch>
+            <a:fillRect/>
+          </a:stretch>
+        </p:blipFill>
+        <p:spPr>
+          <a:xfrm>
+            <a:off x="5489737" y="1800225"/>
+            <a:ext cx="1212526" cy="4351338"/>
+          </a:xfrm>
+        </p:spPr>
+      </p:pic>
+      <p:sp>
+        <p:nvSpPr>
+          <p:cNvPr id="7" name="TextBox 6">
+            <a:extLst>
+              <a:ext uri="{FF2B5EF4-FFF2-40B4-BE49-F238E27FC236}">
+                <a16:creationId xmlns:a16="http://schemas.microsoft.com/office/drawing/2014/main" id="{5F55B6E9-EFFA-454A-8466-CEAFF53B5F50}"/>
+              </a:ext>
+            </a:extLst>
+          </p:cNvPr>
+          <p:cNvSpPr txBox="1"/>
+          <p:nvPr/>
+        </p:nvSpPr>
+        <p:spPr>
+          <a:xfrm>
+            <a:off x="838199" y="1797050"/>
+            <a:ext cx="3970867" cy="2308324"/>
+          </a:xfrm>
+          <a:prstGeom prst="rect">
+            <a:avLst/>
+          </a:prstGeom>
+          <a:noFill/>
+        </p:spPr>
+        <p:txBody>
+          <a:bodyPr wrap="square">
+            <a:spAutoFit/>
+          </a:bodyPr>
+          <a:lstStyle/>
+          <a:p>
             <a:r>
               <a:rPr lang="ru-RU" dirty="0"/>
-              <a:t>Приложение для работы с базой данных представляет собой Desktop-приложение. </a:t>
-            </a:r>
-            <a:endParaRPr lang="en-US" dirty="0"/>
-          </a:p>
-          <a:p>
-            <a:pPr marL="0" indent="0">
-              <a:buNone/>
-            </a:pPr>
+              <a:t>Для того, чтобы пользователь мог одновременно просматривать информацию об игроке, его команде и его статистику, необходимо добавить функцию, которая возвращает эту информацию. На рисунке</a:t>
+            </a:r>
+            <a:r>
+              <a:rPr lang="en-US" dirty="0"/>
+              <a:t> </a:t>
+            </a:r>
             <a:r>
               <a:rPr lang="ru-RU" dirty="0"/>
-              <a:t>Спроектировано по паттерну MVC. </a:t>
-            </a:r>
-          </a:p>
-          <a:p>
-            <a:pPr marL="0" indent="0">
-              <a:buNone/>
-            </a:pPr>
-            <a:r>
-              <a:rPr lang="ru-RU" dirty="0"/>
-              <a:t>Выделены два компонента - доступа к данным и бизнес-логики. </a:t>
-            </a:r>
-          </a:p>
-          <a:p>
-            <a:pPr marL="0" indent="0">
-              <a:buNone/>
-            </a:pPr>
-            <a:r>
-              <a:rPr lang="ru-RU" dirty="0"/>
-              <a:t>Компонент доступа к данным спроектирован по паттерну "Репозиторий". </a:t>
+              <a:t>представлен алгоритм функции.</a:t>
             </a:r>
           </a:p>
         </p:txBody>
@@ -5127,7 +5503,7 @@
     </p:spTree>
     <p:extLst>
       <p:ext uri="{BB962C8B-B14F-4D97-AF65-F5344CB8AC3E}">
-        <p14:creationId xmlns:p14="http://schemas.microsoft.com/office/powerpoint/2010/main" val="1637295103"/>
+        <p14:creationId xmlns:p14="http://schemas.microsoft.com/office/powerpoint/2010/main" val="3689324130"/>
       </p:ext>
     </p:extLst>
   </p:cSld>
